--- a/docs/diagrams/DG_diagrams.pptx
+++ b/docs/diagrams/DG_diagrams.pptx
@@ -6717,20 +6717,12 @@
           </a:lstStyle>
           <a:p>
             <a:r>
-              <a:rPr lang="en-US" sz="1400" dirty="0" err="1" smtClean="0">
+              <a:rPr lang="en-US" sz="1400" dirty="0" smtClean="0">
                 <a:solidFill>
                   <a:srgbClr val="7030A0"/>
                 </a:solidFill>
               </a:rPr>
-              <a:t>deleteTask</a:t>
-            </a:r>
-            <a:r>
-              <a:rPr lang="en-US" sz="1400" dirty="0" smtClean="0">
-                <a:solidFill>
-                  <a:srgbClr val="7030A0"/>
-                </a:solidFill>
-              </a:rPr>
-              <a:t>(e1)</a:t>
+              <a:t>deleteTask(e1)</a:t>
             </a:r>
             <a:endParaRPr lang="en-US" sz="1400" dirty="0">
               <a:solidFill>
@@ -6864,27 +6856,7 @@
                   </a:schemeClr>
                 </a:solidFill>
               </a:rPr>
-              <a:t>post(</a:t>
-            </a:r>
-            <a:r>
-              <a:rPr lang="en-US" sz="1400" dirty="0" err="1" smtClean="0">
-                <a:solidFill>
-                  <a:schemeClr val="accent5">
-                    <a:lumMod val="75000"/>
-                  </a:schemeClr>
-                </a:solidFill>
-              </a:rPr>
-              <a:t>ToDoListChangedEvent</a:t>
-            </a:r>
-            <a:r>
-              <a:rPr lang="en-US" sz="1400" dirty="0" smtClean="0">
-                <a:solidFill>
-                  <a:schemeClr val="accent5">
-                    <a:lumMod val="75000"/>
-                  </a:schemeClr>
-                </a:solidFill>
-              </a:rPr>
-              <a:t>)</a:t>
+              <a:t>Post(ToDoListChangedEvent)</a:t>
             </a:r>
             <a:endParaRPr lang="en-US" sz="1400" dirty="0">
               <a:solidFill>
@@ -7157,15 +7129,7 @@
                   <a:schemeClr val="bg1"/>
                 </a:solidFill>
               </a:rPr>
-              <a:t>:</a:t>
-            </a:r>
-            <a:r>
-              <a:rPr lang="en-US" sz="1600" dirty="0" err="1" smtClean="0">
-                <a:solidFill>
-                  <a:schemeClr val="bg1"/>
-                </a:solidFill>
-              </a:rPr>
-              <a:t>EventsCenter</a:t>
+              <a:t>:EventsCenter</a:t>
             </a:r>
             <a:endParaRPr lang="en-SG" sz="1600" dirty="0">
               <a:solidFill>
@@ -7975,27 +7939,7 @@
                   </a:schemeClr>
                 </a:solidFill>
               </a:rPr>
-              <a:t>post(</a:t>
-            </a:r>
-            <a:r>
-              <a:rPr lang="en-US" sz="1400" dirty="0" err="1" smtClean="0">
-                <a:solidFill>
-                  <a:schemeClr val="accent5">
-                    <a:lumMod val="75000"/>
-                  </a:schemeClr>
-                </a:solidFill>
-              </a:rPr>
-              <a:t>ToDoListChangedEvent</a:t>
-            </a:r>
-            <a:r>
-              <a:rPr lang="en-US" sz="1400" dirty="0" smtClean="0">
-                <a:solidFill>
-                  <a:schemeClr val="accent5">
-                    <a:lumMod val="75000"/>
-                  </a:schemeClr>
-                </a:solidFill>
-              </a:rPr>
-              <a:t>)</a:t>
+              <a:t>Post(ToDoListChangedEvent)</a:t>
             </a:r>
             <a:endParaRPr lang="en-US" sz="1400" dirty="0">
               <a:solidFill>
@@ -8194,15 +8138,7 @@
                   <a:schemeClr val="bg1"/>
                 </a:solidFill>
               </a:rPr>
-              <a:t>:</a:t>
-            </a:r>
-            <a:r>
-              <a:rPr lang="en-US" sz="1600" dirty="0" err="1" smtClean="0">
-                <a:solidFill>
-                  <a:schemeClr val="bg1"/>
-                </a:solidFill>
-              </a:rPr>
-              <a:t>EventsCenter</a:t>
+              <a:t>:EventsCenter</a:t>
             </a:r>
             <a:endParaRPr lang="en-SG" sz="1600" dirty="0">
               <a:solidFill>
@@ -8632,24 +8568,14 @@
           </a:lstStyle>
           <a:p>
             <a:r>
-              <a:rPr lang="en-US" sz="1400" dirty="0" err="1" smtClean="0">
+              <a:rPr lang="en-US" sz="1400" dirty="0" smtClean="0">
                 <a:solidFill>
                   <a:schemeClr val="accent6">
                     <a:lumMod val="75000"/>
                   </a:schemeClr>
                 </a:solidFill>
               </a:rPr>
-              <a:t>handleToDoListChangedEvent</a:t>
-            </a:r>
-            <a:r>
-              <a:rPr lang="en-US" sz="1400" dirty="0" smtClean="0">
-                <a:solidFill>
-                  <a:schemeClr val="accent6">
-                    <a:lumMod val="75000"/>
-                  </a:schemeClr>
-                </a:solidFill>
-              </a:rPr>
-              <a:t>()</a:t>
+              <a:t>handleToDoListChangedEvent()</a:t>
             </a:r>
             <a:endParaRPr lang="en-US" sz="1400" dirty="0">
               <a:solidFill>
@@ -9190,20 +9116,12 @@
           </a:lstStyle>
           <a:p>
             <a:r>
-              <a:rPr lang="en-US" sz="1400" dirty="0" err="1" smtClean="0">
+              <a:rPr lang="en-US" sz="1400" dirty="0" smtClean="0">
                 <a:solidFill>
                   <a:srgbClr val="00B050"/>
                 </a:solidFill>
               </a:rPr>
-              <a:t>handleToDoListChangedEvent</a:t>
-            </a:r>
-            <a:r>
-              <a:rPr lang="en-US" sz="1400" dirty="0" smtClean="0">
-                <a:solidFill>
-                  <a:srgbClr val="00B050"/>
-                </a:solidFill>
-              </a:rPr>
-              <a:t>()</a:t>
+              <a:t>handleToDoListChangedEvent()</a:t>
             </a:r>
             <a:endParaRPr lang="en-US" sz="1400" dirty="0">
               <a:solidFill>
@@ -10522,7 +10440,7 @@
           <a:p>
             <a:pPr algn="ctr"/>
             <a:r>
-              <a:rPr lang="en-US" sz="1050" dirty="0" err="1">
+              <a:rPr lang="en-US" sz="1050" dirty="0">
                 <a:solidFill>
                   <a:schemeClr val="bg1"/>
                 </a:solidFill>
@@ -10672,7 +10590,7 @@
           <a:p>
             <a:pPr algn="ctr"/>
             <a:r>
-              <a:rPr lang="en-US" sz="1050" b="1" dirty="0" err="1" smtClean="0">
+              <a:rPr lang="en-US" sz="1050" b="1" dirty="0" smtClean="0">
                 <a:solidFill>
                   <a:srgbClr val="0070C0"/>
                 </a:solidFill>
@@ -11216,7 +11134,7 @@
           <a:p>
             <a:pPr algn="ctr"/>
             <a:r>
-              <a:rPr lang="en-US" sz="1050" b="1" dirty="0" err="1" smtClean="0">
+              <a:rPr lang="en-US" sz="1050" b="1" dirty="0" smtClean="0">
                 <a:solidFill>
                   <a:srgbClr val="0070C0"/>
                 </a:solidFill>
@@ -11366,7 +11284,7 @@
           <a:p>
             <a:pPr algn="ctr"/>
             <a:r>
-              <a:rPr lang="en-US" sz="1050" b="1" dirty="0" err="1" smtClean="0">
+              <a:rPr lang="en-US" sz="1050" b="1" dirty="0" smtClean="0">
                 <a:solidFill>
                   <a:srgbClr val="0070C0"/>
                 </a:solidFill>
@@ -13423,18 +13341,13 @@
           <a:p>
             <a:pPr algn="ctr"/>
             <a:r>
-              <a:rPr lang="en-US" sz="1050" b="1" dirty="0" err="1">
+              <a:rPr lang="en-US" sz="1050" b="1" dirty="0">
                 <a:solidFill>
                   <a:schemeClr val="bg1"/>
                 </a:solidFill>
               </a:rPr>
               <a:t>AddCommand</a:t>
             </a:r>
-            <a:endParaRPr lang="en-US" sz="1050" b="1" dirty="0">
-              <a:solidFill>
-                <a:schemeClr val="bg1"/>
-              </a:solidFill>
-            </a:endParaRPr>
           </a:p>
           <a:p>
             <a:pPr algn="ctr"/>
@@ -13588,18 +13501,13 @@
           <a:p>
             <a:pPr algn="ctr"/>
             <a:r>
-              <a:rPr lang="en-US" sz="1050" b="1" dirty="0" err="1">
+              <a:rPr lang="en-US" sz="1050" b="1" dirty="0">
                 <a:solidFill>
                   <a:schemeClr val="bg1"/>
                 </a:solidFill>
               </a:rPr>
               <a:t>FindCommand</a:t>
             </a:r>
-            <a:endParaRPr lang="en-US" sz="1050" b="1" dirty="0">
-              <a:solidFill>
-                <a:schemeClr val="bg1"/>
-              </a:solidFill>
-            </a:endParaRPr>
           </a:p>
           <a:p>
             <a:pPr algn="ctr"/>
@@ -14831,7 +14739,7 @@
           <a:p>
             <a:pPr algn="ctr"/>
             <a:r>
-              <a:rPr lang="en-SG" sz="1050" dirty="0" err="1" smtClean="0">
+              <a:rPr lang="en-SG" sz="1050" dirty="0" smtClean="0">
                 <a:solidFill>
                   <a:schemeClr val="bg1"/>
                 </a:solidFill>
@@ -14990,7 +14898,7 @@
           <a:p>
             <a:pPr algn="ctr"/>
             <a:r>
-              <a:rPr lang="en-SG" sz="1050" dirty="0" err="1" smtClean="0">
+              <a:rPr lang="en-SG" sz="1050" dirty="0" smtClean="0">
                 <a:solidFill>
                   <a:schemeClr val="bg1"/>
                 </a:solidFill>
@@ -18650,20 +18558,12 @@
           </a:lstStyle>
           <a:p>
             <a:r>
-              <a:rPr lang="en-US" dirty="0" err="1" smtClean="0">
+              <a:rPr lang="en-US" dirty="0" smtClean="0">
                 <a:solidFill>
                   <a:srgbClr val="7030A0"/>
                 </a:solidFill>
               </a:rPr>
-              <a:t>deleteTask</a:t>
-            </a:r>
-            <a:r>
-              <a:rPr lang="en-US" dirty="0" smtClean="0">
-                <a:solidFill>
-                  <a:srgbClr val="7030A0"/>
-                </a:solidFill>
-              </a:rPr>
-              <a:t>(d2)</a:t>
+              <a:t>deleteTask(d2)</a:t>
             </a:r>
             <a:endParaRPr lang="en-US" dirty="0">
               <a:solidFill>
@@ -19311,20 +19211,12 @@
           <a:p>
             <a:pPr algn="ctr"/>
             <a:r>
-              <a:rPr lang="en-US" sz="1600" dirty="0" err="1" smtClean="0">
+              <a:rPr lang="en-US" sz="1600" dirty="0" smtClean="0">
                 <a:solidFill>
                   <a:schemeClr val="bg1"/>
                 </a:solidFill>
               </a:rPr>
-              <a:t>result:Command</a:t>
-            </a:r>
-            <a:r>
-              <a:rPr lang="en-US" sz="1600" dirty="0" smtClean="0">
-                <a:solidFill>
-                  <a:schemeClr val="bg1"/>
-                </a:solidFill>
-              </a:rPr>
-              <a:t> Result</a:t>
+              <a:t>result:Command Result</a:t>
             </a:r>
             <a:endParaRPr lang="en-SG" sz="1600" dirty="0">
               <a:solidFill>
@@ -19780,21 +19672,8 @@
                   <a:schemeClr val="bg1"/>
                 </a:solidFill>
               </a:rPr>
-              <a:t>:</a:t>
+              <a:t>:DeleteCommand</a:t>
             </a:r>
-            <a:r>
-              <a:rPr lang="en-US" sz="1600" dirty="0" err="1" smtClean="0">
-                <a:solidFill>
-                  <a:schemeClr val="bg1"/>
-                </a:solidFill>
-              </a:rPr>
-              <a:t>DeleteCommand</a:t>
-            </a:r>
-            <a:endParaRPr lang="en-US" sz="1600" dirty="0" smtClean="0">
-              <a:solidFill>
-                <a:schemeClr val="bg1"/>
-              </a:solidFill>
-            </a:endParaRPr>
           </a:p>
           <a:p>
             <a:pPr algn="ctr"/>
@@ -29244,7 +29123,7 @@
           <a:p>
             <a:pPr algn="ctr"/>
             <a:r>
-              <a:rPr lang="en-US" sz="1050" b="1" dirty="0" err="1">
+              <a:rPr lang="en-US" sz="1050" b="1" dirty="0">
                 <a:solidFill>
                   <a:schemeClr val="accent3">
                     <a:lumMod val="75000"/>
@@ -29398,7 +29277,7 @@
           <a:p>
             <a:pPr algn="ctr"/>
             <a:r>
-              <a:rPr lang="en-US" sz="1050" b="1" dirty="0" err="1">
+              <a:rPr lang="en-US" sz="1050" b="1" dirty="0" smtClean="0">
                 <a:solidFill>
                   <a:schemeClr val="accent3">
                     <a:lumMod val="75000"/>
@@ -29555,7 +29434,7 @@
           <a:p>
             <a:pPr algn="ctr"/>
             <a:r>
-              <a:rPr lang="en-US" sz="1050" dirty="0" err="1">
+              <a:rPr lang="en-US" sz="1050" dirty="0">
                 <a:solidFill>
                   <a:schemeClr val="bg1"/>
                 </a:solidFill>
@@ -30087,7 +29966,7 @@
           <a:p>
             <a:pPr algn="ctr"/>
             <a:r>
-              <a:rPr lang="en-US" sz="1050" b="1" dirty="0" err="1">
+              <a:rPr lang="en-US" sz="1050" b="1" dirty="0">
                 <a:solidFill>
                   <a:schemeClr val="accent3">
                     <a:lumMod val="75000"/>
@@ -30241,7 +30120,7 @@
           <a:p>
             <a:pPr algn="ctr"/>
             <a:r>
-              <a:rPr lang="en-US" sz="1050" b="1" dirty="0" err="1">
+              <a:rPr lang="en-US" sz="1050" b="1" dirty="0">
                 <a:solidFill>
                   <a:schemeClr val="accent3">
                     <a:lumMod val="75000"/>
@@ -30395,7 +30274,7 @@
           <a:p>
             <a:pPr algn="ctr"/>
             <a:r>
-              <a:rPr lang="en-US" sz="1050" b="1" dirty="0" err="1" smtClean="0">
+              <a:rPr lang="en-US" sz="1050" b="1" dirty="0" smtClean="0">
                 <a:solidFill>
                   <a:schemeClr val="accent3">
                     <a:lumMod val="75000"/>
@@ -30549,7 +30428,7 @@
           <a:p>
             <a:pPr algn="ctr"/>
             <a:r>
-              <a:rPr lang="en-US" sz="1050" b="1" dirty="0" err="1" smtClean="0">
+              <a:rPr lang="en-US" sz="1050" b="1" dirty="0" smtClean="0">
                 <a:solidFill>
                   <a:schemeClr val="accent3">
                     <a:lumMod val="75000"/>
@@ -30703,7 +30582,7 @@
           <a:p>
             <a:pPr algn="ctr"/>
             <a:r>
-              <a:rPr lang="en-US" sz="1050" b="1" dirty="0" err="1">
+              <a:rPr lang="en-US" sz="1050" b="1" dirty="0">
                 <a:solidFill>
                   <a:schemeClr val="accent3">
                     <a:lumMod val="75000"/>
@@ -31040,7 +30919,7 @@
           <a:p>
             <a:pPr algn="ctr"/>
             <a:r>
-              <a:rPr lang="en-US" sz="1050" b="1" dirty="0" err="1">
+              <a:rPr lang="en-US" sz="1050" b="1" dirty="0">
                 <a:solidFill>
                   <a:schemeClr val="accent3">
                     <a:lumMod val="75000"/>
@@ -31376,7 +31255,7 @@
               </a:rPr>
             </a:br>
             <a:r>
-              <a:rPr lang="en-US" sz="1050" b="1" dirty="0" err="1">
+              <a:rPr lang="en-US" sz="1050" b="1" dirty="0">
                 <a:solidFill>
                   <a:schemeClr val="accent3">
                     <a:lumMod val="75000"/>

--- a/docs/diagrams/DG_diagrams.pptx
+++ b/docs/diagrams/DG_diagrams.pptx
@@ -215,7 +215,7 @@
           <a:p>
             <a:fld id="{F5CC4B3F-88C1-4FFA-B1B6-F41C21DC6924}" type="datetimeFigureOut">
               <a:rPr lang="en-US" smtClean="0"/>
-              <a:t>3/20/2017</a:t>
+              <a:t>3/23/17</a:t>
             </a:fld>
             <a:endParaRPr lang="en-US"/>
           </a:p>
@@ -664,7 +664,7 @@
           <a:p>
             <a:fld id="{78C97017-6FC3-485B-9764-EAC9E56C1D49}" type="datetimeFigureOut">
               <a:rPr lang="en-US" smtClean="0"/>
-              <a:t>3/20/2017</a:t>
+              <a:t>3/23/17</a:t>
             </a:fld>
             <a:endParaRPr lang="en-US"/>
           </a:p>
@@ -834,7 +834,7 @@
           <a:p>
             <a:fld id="{78C97017-6FC3-485B-9764-EAC9E56C1D49}" type="datetimeFigureOut">
               <a:rPr lang="en-US" smtClean="0"/>
-              <a:t>3/20/2017</a:t>
+              <a:t>3/23/17</a:t>
             </a:fld>
             <a:endParaRPr lang="en-US"/>
           </a:p>
@@ -1014,7 +1014,7 @@
           <a:p>
             <a:fld id="{78C97017-6FC3-485B-9764-EAC9E56C1D49}" type="datetimeFigureOut">
               <a:rPr lang="en-US" smtClean="0"/>
-              <a:t>3/20/2017</a:t>
+              <a:t>3/23/17</a:t>
             </a:fld>
             <a:endParaRPr lang="en-US"/>
           </a:p>
@@ -1184,7 +1184,7 @@
           <a:p>
             <a:fld id="{78C97017-6FC3-485B-9764-EAC9E56C1D49}" type="datetimeFigureOut">
               <a:rPr lang="en-US" smtClean="0"/>
-              <a:t>3/20/2017</a:t>
+              <a:t>3/23/17</a:t>
             </a:fld>
             <a:endParaRPr lang="en-US"/>
           </a:p>
@@ -1430,7 +1430,7 @@
           <a:p>
             <a:fld id="{78C97017-6FC3-485B-9764-EAC9E56C1D49}" type="datetimeFigureOut">
               <a:rPr lang="en-US" smtClean="0"/>
-              <a:t>3/20/2017</a:t>
+              <a:t>3/23/17</a:t>
             </a:fld>
             <a:endParaRPr lang="en-US"/>
           </a:p>
@@ -1718,7 +1718,7 @@
           <a:p>
             <a:fld id="{78C97017-6FC3-485B-9764-EAC9E56C1D49}" type="datetimeFigureOut">
               <a:rPr lang="en-US" smtClean="0"/>
-              <a:t>3/20/2017</a:t>
+              <a:t>3/23/17</a:t>
             </a:fld>
             <a:endParaRPr lang="en-US"/>
           </a:p>
@@ -2140,7 +2140,7 @@
           <a:p>
             <a:fld id="{78C97017-6FC3-485B-9764-EAC9E56C1D49}" type="datetimeFigureOut">
               <a:rPr lang="en-US" smtClean="0"/>
-              <a:t>3/20/2017</a:t>
+              <a:t>3/23/17</a:t>
             </a:fld>
             <a:endParaRPr lang="en-US"/>
           </a:p>
@@ -2258,7 +2258,7 @@
           <a:p>
             <a:fld id="{78C97017-6FC3-485B-9764-EAC9E56C1D49}" type="datetimeFigureOut">
               <a:rPr lang="en-US" smtClean="0"/>
-              <a:t>3/20/2017</a:t>
+              <a:t>3/23/17</a:t>
             </a:fld>
             <a:endParaRPr lang="en-US"/>
           </a:p>
@@ -2353,7 +2353,7 @@
           <a:p>
             <a:fld id="{78C97017-6FC3-485B-9764-EAC9E56C1D49}" type="datetimeFigureOut">
               <a:rPr lang="en-US" smtClean="0"/>
-              <a:t>3/20/2017</a:t>
+              <a:t>3/23/17</a:t>
             </a:fld>
             <a:endParaRPr lang="en-US"/>
           </a:p>
@@ -2630,7 +2630,7 @@
           <a:p>
             <a:fld id="{78C97017-6FC3-485B-9764-EAC9E56C1D49}" type="datetimeFigureOut">
               <a:rPr lang="en-US" smtClean="0"/>
-              <a:t>3/20/2017</a:t>
+              <a:t>3/23/17</a:t>
             </a:fld>
             <a:endParaRPr lang="en-US"/>
           </a:p>
@@ -2883,7 +2883,7 @@
           <a:p>
             <a:fld id="{78C97017-6FC3-485B-9764-EAC9E56C1D49}" type="datetimeFigureOut">
               <a:rPr lang="en-US" smtClean="0"/>
-              <a:t>3/20/2017</a:t>
+              <a:t>3/23/17</a:t>
             </a:fld>
             <a:endParaRPr lang="en-US"/>
           </a:p>
@@ -3096,7 +3096,7 @@
           <a:p>
             <a:fld id="{78C97017-6FC3-485B-9764-EAC9E56C1D49}" type="datetimeFigureOut">
               <a:rPr lang="en-US" smtClean="0"/>
-              <a:t>3/20/2017</a:t>
+              <a:t>3/23/17</a:t>
             </a:fld>
             <a:endParaRPr lang="en-US"/>
           </a:p>
@@ -29150,7 +29150,7 @@
         </p:nvSpPr>
         <p:spPr>
           <a:xfrm>
-            <a:off x="3310380" y="2971800"/>
+            <a:off x="3310380" y="3024019"/>
             <a:ext cx="1093635" cy="236841"/>
           </a:xfrm>
           <a:prstGeom prst="rect">
@@ -29833,160 +29833,6 @@
       </p:sp>
       <p:sp>
         <p:nvSpPr>
-          <p:cNvPr id="10" name="Rectangle 9"/>
-          <p:cNvSpPr/>
-          <p:nvPr/>
-        </p:nvSpPr>
-        <p:spPr>
-          <a:xfrm>
-            <a:off x="3310380" y="3649359"/>
-            <a:ext cx="1093635" cy="236841"/>
-          </a:xfrm>
-          <a:prstGeom prst="rect">
-            <a:avLst/>
-          </a:prstGeom>
-          <a:ln w="19050">
-            <a:solidFill>
-              <a:schemeClr val="accent3"/>
-            </a:solidFill>
-          </a:ln>
-          <a:effectLst/>
-        </p:spPr>
-        <p:style>
-          <a:lnRef idx="1">
-            <a:schemeClr val="accent3"/>
-          </a:lnRef>
-          <a:fillRef idx="2">
-            <a:schemeClr val="accent3"/>
-          </a:fillRef>
-          <a:effectRef idx="1">
-            <a:schemeClr val="accent3"/>
-          </a:effectRef>
-          <a:fontRef idx="minor">
-            <a:schemeClr val="dk1"/>
-          </a:fontRef>
-        </p:style>
-        <p:txBody>
-          <a:bodyPr rtlCol="0" anchor="ctr"/>
-          <a:lstStyle>
-            <a:defPPr>
-              <a:defRPr lang="en-US"/>
-            </a:defPPr>
-            <a:lvl1pPr marL="0" algn="l" defTabSz="914400" rtl="0" eaLnBrk="1" latinLnBrk="0" hangingPunct="1">
-              <a:defRPr sz="1800" kern="1200">
-                <a:solidFill>
-                  <a:schemeClr val="dk1"/>
-                </a:solidFill>
-                <a:latin typeface="+mn-lt"/>
-                <a:ea typeface="+mn-ea"/>
-                <a:cs typeface="+mn-cs"/>
-              </a:defRPr>
-            </a:lvl1pPr>
-            <a:lvl2pPr marL="457200" algn="l" defTabSz="914400" rtl="0" eaLnBrk="1" latinLnBrk="0" hangingPunct="1">
-              <a:defRPr sz="1800" kern="1200">
-                <a:solidFill>
-                  <a:schemeClr val="dk1"/>
-                </a:solidFill>
-                <a:latin typeface="+mn-lt"/>
-                <a:ea typeface="+mn-ea"/>
-                <a:cs typeface="+mn-cs"/>
-              </a:defRPr>
-            </a:lvl2pPr>
-            <a:lvl3pPr marL="914400" algn="l" defTabSz="914400" rtl="0" eaLnBrk="1" latinLnBrk="0" hangingPunct="1">
-              <a:defRPr sz="1800" kern="1200">
-                <a:solidFill>
-                  <a:schemeClr val="dk1"/>
-                </a:solidFill>
-                <a:latin typeface="+mn-lt"/>
-                <a:ea typeface="+mn-ea"/>
-                <a:cs typeface="+mn-cs"/>
-              </a:defRPr>
-            </a:lvl3pPr>
-            <a:lvl4pPr marL="1371600" algn="l" defTabSz="914400" rtl="0" eaLnBrk="1" latinLnBrk="0" hangingPunct="1">
-              <a:defRPr sz="1800" kern="1200">
-                <a:solidFill>
-                  <a:schemeClr val="dk1"/>
-                </a:solidFill>
-                <a:latin typeface="+mn-lt"/>
-                <a:ea typeface="+mn-ea"/>
-                <a:cs typeface="+mn-cs"/>
-              </a:defRPr>
-            </a:lvl4pPr>
-            <a:lvl5pPr marL="1828800" algn="l" defTabSz="914400" rtl="0" eaLnBrk="1" latinLnBrk="0" hangingPunct="1">
-              <a:defRPr sz="1800" kern="1200">
-                <a:solidFill>
-                  <a:schemeClr val="dk1"/>
-                </a:solidFill>
-                <a:latin typeface="+mn-lt"/>
-                <a:ea typeface="+mn-ea"/>
-                <a:cs typeface="+mn-cs"/>
-              </a:defRPr>
-            </a:lvl5pPr>
-            <a:lvl6pPr marL="2286000" algn="l" defTabSz="914400" rtl="0" eaLnBrk="1" latinLnBrk="0" hangingPunct="1">
-              <a:defRPr sz="1800" kern="1200">
-                <a:solidFill>
-                  <a:schemeClr val="dk1"/>
-                </a:solidFill>
-                <a:latin typeface="+mn-lt"/>
-                <a:ea typeface="+mn-ea"/>
-                <a:cs typeface="+mn-cs"/>
-              </a:defRPr>
-            </a:lvl6pPr>
-            <a:lvl7pPr marL="2743200" algn="l" defTabSz="914400" rtl="0" eaLnBrk="1" latinLnBrk="0" hangingPunct="1">
-              <a:defRPr sz="1800" kern="1200">
-                <a:solidFill>
-                  <a:schemeClr val="dk1"/>
-                </a:solidFill>
-                <a:latin typeface="+mn-lt"/>
-                <a:ea typeface="+mn-ea"/>
-                <a:cs typeface="+mn-cs"/>
-              </a:defRPr>
-            </a:lvl7pPr>
-            <a:lvl8pPr marL="3200400" algn="l" defTabSz="914400" rtl="0" eaLnBrk="1" latinLnBrk="0" hangingPunct="1">
-              <a:defRPr sz="1800" kern="1200">
-                <a:solidFill>
-                  <a:schemeClr val="dk1"/>
-                </a:solidFill>
-                <a:latin typeface="+mn-lt"/>
-                <a:ea typeface="+mn-ea"/>
-                <a:cs typeface="+mn-cs"/>
-              </a:defRPr>
-            </a:lvl8pPr>
-            <a:lvl9pPr marL="3657600" algn="l" defTabSz="914400" rtl="0" eaLnBrk="1" latinLnBrk="0" hangingPunct="1">
-              <a:defRPr sz="1800" kern="1200">
-                <a:solidFill>
-                  <a:schemeClr val="dk1"/>
-                </a:solidFill>
-                <a:latin typeface="+mn-lt"/>
-                <a:ea typeface="+mn-ea"/>
-                <a:cs typeface="+mn-cs"/>
-              </a:defRPr>
-            </a:lvl9pPr>
-          </a:lstStyle>
-          <a:p>
-            <a:pPr algn="ctr"/>
-            <a:r>
-              <a:rPr lang="en-US" sz="1050" b="1" dirty="0">
-                <a:solidFill>
-                  <a:schemeClr val="accent3">
-                    <a:lumMod val="75000"/>
-                  </a:schemeClr>
-                </a:solidFill>
-              </a:rPr>
-              <a:t>BrowserPanel</a:t>
-            </a:r>
-            <a:endParaRPr lang="en-SG" sz="1050" b="1" dirty="0">
-              <a:solidFill>
-                <a:schemeClr val="accent3">
-                  <a:lumMod val="75000"/>
-                </a:schemeClr>
-              </a:solidFill>
-            </a:endParaRPr>
-          </a:p>
-        </p:txBody>
-      </p:sp>
-      <p:sp>
-        <p:nvSpPr>
           <p:cNvPr id="11" name="Rectangle 10"/>
           <p:cNvSpPr/>
           <p:nvPr/>
@@ -30147,7 +29993,7 @@
         </p:nvSpPr>
         <p:spPr>
           <a:xfrm>
-            <a:off x="3310378" y="3991960"/>
+            <a:off x="3310377" y="3889184"/>
             <a:ext cx="1093635" cy="236841"/>
           </a:xfrm>
           <a:prstGeom prst="rect">
@@ -30301,7 +30147,7 @@
         </p:nvSpPr>
         <p:spPr>
           <a:xfrm>
-            <a:off x="4557175" y="4228801"/>
+            <a:off x="4557174" y="4126025"/>
             <a:ext cx="1040906" cy="236841"/>
           </a:xfrm>
           <a:prstGeom prst="rect">
@@ -30754,8 +30600,8 @@
         </p:nvCxnSpPr>
         <p:spPr>
           <a:xfrm rot="16200000" flipH="1">
-            <a:off x="3111081" y="2890922"/>
-            <a:ext cx="222196" cy="176402"/>
+            <a:off x="3084972" y="2917031"/>
+            <a:ext cx="274415" cy="176402"/>
           </a:xfrm>
           <a:prstGeom prst="bentConnector2">
             <a:avLst/>
@@ -30792,7 +30638,7 @@
         </p:nvSpPr>
         <p:spPr>
           <a:xfrm>
-            <a:off x="3308651" y="3304308"/>
+            <a:off x="3308651" y="3439238"/>
             <a:ext cx="1095361" cy="236841"/>
           </a:xfrm>
           <a:prstGeom prst="rect">
@@ -30940,47 +30786,6 @@
       </p:sp>
       <p:cxnSp>
         <p:nvCxnSpPr>
-          <p:cNvPr id="18" name="Elbow Connector 17"/>
-          <p:cNvCxnSpPr>
-            <a:stCxn id="15" idx="2"/>
-            <a:endCxn id="10" idx="1"/>
-          </p:cNvCxnSpPr>
-          <p:nvPr/>
-        </p:nvCxnSpPr>
-        <p:spPr>
-          <a:xfrm rot="16200000" flipH="1">
-            <a:off x="2772302" y="3229701"/>
-            <a:ext cx="899755" cy="176402"/>
-          </a:xfrm>
-          <a:prstGeom prst="bentConnector2">
-            <a:avLst/>
-          </a:prstGeom>
-          <a:ln w="19050">
-            <a:solidFill>
-              <a:schemeClr val="accent3"/>
-            </a:solidFill>
-            <a:headEnd type="none" w="med" len="med"/>
-            <a:tailEnd type="arrow" w="med" len="med"/>
-          </a:ln>
-          <a:effectLst/>
-        </p:spPr>
-        <p:style>
-          <a:lnRef idx="1">
-            <a:schemeClr val="accent2"/>
-          </a:lnRef>
-          <a:fillRef idx="2">
-            <a:schemeClr val="accent2"/>
-          </a:fillRef>
-          <a:effectRef idx="1">
-            <a:schemeClr val="accent2"/>
-          </a:effectRef>
-          <a:fontRef idx="minor">
-            <a:schemeClr val="dk1"/>
-          </a:fontRef>
-        </p:style>
-      </p:cxnSp>
-      <p:cxnSp>
-        <p:nvCxnSpPr>
           <p:cNvPr id="19" name="Elbow Connector 18"/>
           <p:cNvCxnSpPr>
             <a:stCxn id="15" idx="2"/>
@@ -30990,8 +30795,8 @@
         </p:nvCxnSpPr>
         <p:spPr>
           <a:xfrm rot="16200000" flipH="1">
-            <a:off x="2601000" y="3401003"/>
-            <a:ext cx="1242356" cy="176400"/>
+            <a:off x="2652387" y="3349615"/>
+            <a:ext cx="1139580" cy="176399"/>
           </a:xfrm>
           <a:prstGeom prst="bentConnector2">
             <a:avLst/>
@@ -31279,13 +31084,12 @@
           <p:cNvPr id="23" name="Elbow Connector 22"/>
           <p:cNvCxnSpPr>
             <a:stCxn id="17" idx="3"/>
-            <a:endCxn id="7" idx="3"/>
           </p:cNvCxnSpPr>
           <p:nvPr/>
         </p:nvCxnSpPr>
         <p:spPr>
           <a:xfrm flipV="1">
-            <a:off x="4404012" y="2286000"/>
+            <a:off x="4404012" y="2420930"/>
             <a:ext cx="1843809" cy="1136729"/>
           </a:xfrm>
           <a:prstGeom prst="bentConnector2">
@@ -31326,49 +31130,8 @@
         </p:nvCxnSpPr>
         <p:spPr>
           <a:xfrm rot="5400000">
-            <a:off x="4892340" y="2991741"/>
-            <a:ext cx="2061222" cy="649740"/>
-          </a:xfrm>
-          <a:prstGeom prst="bentConnector2">
-            <a:avLst/>
-          </a:prstGeom>
-          <a:ln w="6350">
-            <a:solidFill>
-              <a:schemeClr val="accent3"/>
-            </a:solidFill>
-            <a:headEnd type="none" w="med" len="med"/>
-            <a:tailEnd type="none" w="med" len="med"/>
-          </a:ln>
-          <a:effectLst/>
-        </p:spPr>
-        <p:style>
-          <a:lnRef idx="1">
-            <a:schemeClr val="accent2"/>
-          </a:lnRef>
-          <a:fillRef idx="2">
-            <a:schemeClr val="accent2"/>
-          </a:fillRef>
-          <a:effectRef idx="1">
-            <a:schemeClr val="accent2"/>
-          </a:effectRef>
-          <a:fontRef idx="minor">
-            <a:schemeClr val="dk1"/>
-          </a:fontRef>
-        </p:style>
-      </p:cxnSp>
-      <p:cxnSp>
-        <p:nvCxnSpPr>
-          <p:cNvPr id="25" name="Elbow Connector 24"/>
-          <p:cNvCxnSpPr>
-            <a:stCxn id="7" idx="3"/>
-            <a:endCxn id="10" idx="3"/>
-          </p:cNvCxnSpPr>
-          <p:nvPr/>
-        </p:nvCxnSpPr>
-        <p:spPr>
-          <a:xfrm rot="5400000">
-            <a:off x="4585028" y="2104987"/>
-            <a:ext cx="1481780" cy="1843806"/>
+            <a:off x="4943728" y="2940353"/>
+            <a:ext cx="1958446" cy="649741"/>
           </a:xfrm>
           <a:prstGeom prst="bentConnector2">
             <a:avLst/>
@@ -32066,16 +31829,13 @@
       <p:cxnSp>
         <p:nvCxnSpPr>
           <p:cNvPr id="34" name="Elbow Connector 33"/>
-          <p:cNvCxnSpPr>
-            <a:stCxn id="15" idx="2"/>
-            <a:endCxn id="17" idx="1"/>
-          </p:cNvCxnSpPr>
+          <p:cNvCxnSpPr/>
           <p:nvPr/>
         </p:nvCxnSpPr>
         <p:spPr>
           <a:xfrm rot="16200000" flipH="1">
-            <a:off x="2943962" y="3058040"/>
-            <a:ext cx="554704" cy="174673"/>
+            <a:off x="2901413" y="3202640"/>
+            <a:ext cx="639802" cy="174673"/>
           </a:xfrm>
           <a:prstGeom prst="bentConnector2">
             <a:avLst/>
@@ -32108,14 +31868,13 @@
         <p:nvCxnSpPr>
           <p:cNvPr id="35" name="Elbow Connector 34"/>
           <p:cNvCxnSpPr>
-            <a:stCxn id="7" idx="3"/>
             <a:endCxn id="4" idx="3"/>
           </p:cNvCxnSpPr>
           <p:nvPr/>
         </p:nvCxnSpPr>
         <p:spPr>
           <a:xfrm rot="5400000">
-            <a:off x="4923808" y="1766207"/>
+            <a:off x="4923808" y="1818426"/>
             <a:ext cx="804221" cy="1843806"/>
           </a:xfrm>
           <a:prstGeom prst="bentConnector2">
@@ -32156,7 +31915,7 @@
         </p:nvCxnSpPr>
         <p:spPr>
           <a:xfrm rot="16200000" flipH="1">
-            <a:off x="4147975" y="3938021"/>
+            <a:off x="4147974" y="3835245"/>
             <a:ext cx="118421" cy="699979"/>
           </a:xfrm>
           <a:prstGeom prst="bentConnector2">
@@ -32197,8 +31956,8 @@
         </p:nvCxnSpPr>
         <p:spPr>
           <a:xfrm rot="5400000">
-            <a:off x="4413727" y="2276286"/>
-            <a:ext cx="1824381" cy="1843808"/>
+            <a:off x="4465115" y="2224898"/>
+            <a:ext cx="1721605" cy="1843809"/>
           </a:xfrm>
           <a:prstGeom prst="bentConnector2">
             <a:avLst/>
@@ -32382,7 +32141,7 @@
         </p:nvSpPr>
         <p:spPr>
           <a:xfrm>
-            <a:off x="4405367" y="2828802"/>
+            <a:off x="4405367" y="2881021"/>
             <a:ext cx="3048000" cy="203200"/>
           </a:xfrm>
           <a:custGeom>
@@ -32705,7 +32464,7 @@
         </p:nvSpPr>
         <p:spPr>
           <a:xfrm flipV="1">
-            <a:off x="4832651" y="4472708"/>
+            <a:off x="4828327" y="4371447"/>
             <a:ext cx="2642195" cy="101600"/>
           </a:xfrm>
           <a:custGeom>
